--- a/Meetings/TIP PROJECT PROPOSAL PPT..pptx
+++ b/Meetings/TIP PROJECT PROPOSAL PPT..pptx
@@ -22,61 +22,61 @@
   <p:notesSz cx="6858000" cy="9144000"/>
   <p:embeddedFontLst>
     <p:embeddedFont>
-      <p:font typeface="Staatliches" panose="020B0604020202020204" charset="0"/>
+      <p:font typeface="Abel" panose="020B0604020202020204" charset="0"/>
       <p:regular r:id="rId12"/>
     </p:embeddedFont>
     <p:embeddedFont>
-      <p:font typeface="Dosis ExtraLight" panose="020B0604020202020204" charset="0"/>
+      <p:font typeface="Squada One" panose="020B0604020202020204" charset="0"/>
       <p:regular r:id="rId13"/>
-      <p:bold r:id="rId14"/>
     </p:embeddedFont>
     <p:embeddedFont>
       <p:font typeface="Georgia" panose="02040502050405020303" pitchFamily="18" charset="0"/>
-      <p:regular r:id="rId15"/>
-      <p:bold r:id="rId16"/>
-      <p:italic r:id="rId17"/>
-      <p:boldItalic r:id="rId18"/>
+      <p:regular r:id="rId14"/>
+      <p:bold r:id="rId15"/>
+      <p:italic r:id="rId16"/>
+      <p:boldItalic r:id="rId17"/>
+    </p:embeddedFont>
+    <p:embeddedFont>
+      <p:font typeface="Fira Sans Condensed ExtraLight" panose="020B0604020202020204" charset="0"/>
+      <p:regular r:id="rId18"/>
+      <p:bold r:id="rId19"/>
+      <p:italic r:id="rId20"/>
+      <p:boldItalic r:id="rId21"/>
+    </p:embeddedFont>
+    <p:embeddedFont>
+      <p:font typeface="Dosis ExtraLight" panose="020B0604020202020204" charset="0"/>
+      <p:regular r:id="rId22"/>
+      <p:bold r:id="rId23"/>
+    </p:embeddedFont>
+    <p:embeddedFont>
+      <p:font typeface="Fira Sans Extra Condensed Medium" panose="020B0604020202020204" charset="0"/>
+      <p:regular r:id="rId24"/>
+      <p:bold r:id="rId25"/>
+      <p:italic r:id="rId26"/>
+      <p:boldItalic r:id="rId27"/>
+    </p:embeddedFont>
+    <p:embeddedFont>
+      <p:font typeface="Josefin Sans" panose="020B0604020202020204" charset="0"/>
+      <p:regular r:id="rId28"/>
+      <p:bold r:id="rId29"/>
+      <p:italic r:id="rId30"/>
+      <p:boldItalic r:id="rId31"/>
+    </p:embeddedFont>
+    <p:embeddedFont>
+      <p:font typeface="Staatliches" panose="020B0604020202020204" charset="0"/>
+      <p:regular r:id="rId32"/>
     </p:embeddedFont>
     <p:embeddedFont>
       <p:font typeface="Lora" panose="020B0604020202020204" charset="0"/>
-      <p:regular r:id="rId19"/>
-      <p:bold r:id="rId20"/>
-      <p:italic r:id="rId21"/>
-      <p:boldItalic r:id="rId22"/>
-    </p:embeddedFont>
-    <p:embeddedFont>
-      <p:font typeface="Fira Sans Extra Condensed Medium" panose="020B0604020202020204" charset="0"/>
-      <p:regular r:id="rId23"/>
-      <p:bold r:id="rId24"/>
-      <p:italic r:id="rId25"/>
-      <p:boldItalic r:id="rId26"/>
-    </p:embeddedFont>
-    <p:embeddedFont>
-      <p:font typeface="Abel" panose="020B0604020202020204" charset="0"/>
-      <p:regular r:id="rId27"/>
-    </p:embeddedFont>
-    <p:embeddedFont>
-      <p:font typeface="Squada One" panose="020B0604020202020204" charset="0"/>
-      <p:regular r:id="rId28"/>
+      <p:regular r:id="rId33"/>
+      <p:bold r:id="rId34"/>
+      <p:italic r:id="rId35"/>
+      <p:boldItalic r:id="rId36"/>
     </p:embeddedFont>
     <p:embeddedFont>
       <p:font typeface="Dosis" panose="020B0604020202020204" charset="0"/>
-      <p:regular r:id="rId29"/>
-      <p:bold r:id="rId30"/>
-    </p:embeddedFont>
-    <p:embeddedFont>
-      <p:font typeface="Josefin Sans" panose="020B0604020202020204" charset="0"/>
-      <p:regular r:id="rId31"/>
-      <p:bold r:id="rId32"/>
-      <p:italic r:id="rId33"/>
-      <p:boldItalic r:id="rId34"/>
-    </p:embeddedFont>
-    <p:embeddedFont>
-      <p:font typeface="Fira Sans Condensed ExtraLight" panose="020B0604020202020204" charset="0"/>
-      <p:regular r:id="rId35"/>
-      <p:bold r:id="rId36"/>
-      <p:italic r:id="rId37"/>
-      <p:boldItalic r:id="rId38"/>
+      <p:regular r:id="rId37"/>
+      <p:bold r:id="rId38"/>
     </p:embeddedFont>
   </p:embeddedFontLst>
   <p:defaultTextStyle>
@@ -832,7 +832,7 @@
         </p:nvSpPr>
         <p:spPr>
           <a:xfrm>
-            <a:off x="381300" y="685800"/>
+            <a:off x="381000" y="685800"/>
             <a:ext cx="6096000" cy="3429000"/>
           </a:xfrm>
           <a:custGeom>
@@ -941,7 +941,7 @@
         </p:nvSpPr>
         <p:spPr>
           <a:xfrm>
-            <a:off x="381300" y="685800"/>
+            <a:off x="381000" y="685800"/>
             <a:ext cx="6096000" cy="3429000"/>
           </a:xfrm>
           <a:custGeom>
@@ -1050,7 +1050,7 @@
         </p:nvSpPr>
         <p:spPr>
           <a:xfrm>
-            <a:off x="381300" y="685800"/>
+            <a:off x="381000" y="685800"/>
             <a:ext cx="6096000" cy="3429000"/>
           </a:xfrm>
           <a:custGeom>
@@ -1159,7 +1159,7 @@
         </p:nvSpPr>
         <p:spPr>
           <a:xfrm>
-            <a:off x="381300" y="685800"/>
+            <a:off x="381000" y="685800"/>
             <a:ext cx="6096000" cy="3429000"/>
           </a:xfrm>
           <a:custGeom>
@@ -1213,6 +1213,279 @@
           </a:bodyPr>
           <a:lstStyle/>
           <a:p>
+            <a:pPr lvl="0"/>
+            <a:r>
+              <a:rPr lang="en-IN" sz="1100" b="1" i="0" u="none" strike="noStrike" cap="none" dirty="0" smtClean="0">
+                <a:solidFill>
+                  <a:srgbClr val="000000"/>
+                </a:solidFill>
+                <a:effectLst/>
+                <a:latin typeface="Arial"/>
+                <a:ea typeface="Arial"/>
+                <a:cs typeface="Arial"/>
+                <a:sym typeface="Arial"/>
+              </a:rPr>
+              <a:t>Problem Definition: -</a:t>
+            </a:r>
+            <a:r>
+              <a:rPr lang="en-IN" sz="1100" b="0" i="0" u="none" strike="noStrike" cap="none" dirty="0" smtClean="0">
+                <a:solidFill>
+                  <a:srgbClr val="000000"/>
+                </a:solidFill>
+                <a:effectLst/>
+                <a:latin typeface="Arial"/>
+                <a:ea typeface="Arial"/>
+                <a:cs typeface="Arial"/>
+                <a:sym typeface="Arial"/>
+              </a:rPr>
+              <a:t> </a:t>
+            </a:r>
+            <a:r>
+              <a:rPr lang="en-IN" sz="1100" b="0" i="1" u="none" strike="noStrike" cap="none" dirty="0" smtClean="0">
+                <a:solidFill>
+                  <a:srgbClr val="000000"/>
+                </a:solidFill>
+                <a:effectLst/>
+                <a:latin typeface="Arial"/>
+                <a:ea typeface="Arial"/>
+                <a:cs typeface="Arial"/>
+                <a:sym typeface="Arial"/>
+              </a:rPr>
+              <a:t>Stock Market Price Prediction.</a:t>
+            </a:r>
+            <a:endParaRPr lang="en-IN" sz="1100" b="0" i="0" u="none" strike="noStrike" cap="none" dirty="0" smtClean="0">
+              <a:solidFill>
+                <a:srgbClr val="000000"/>
+              </a:solidFill>
+              <a:effectLst/>
+              <a:latin typeface="Arial"/>
+              <a:ea typeface="Arial"/>
+              <a:cs typeface="Arial"/>
+              <a:sym typeface="Arial"/>
+            </a:endParaRPr>
+          </a:p>
+          <a:p>
+            <a:pPr lvl="0"/>
+            <a:r>
+              <a:rPr lang="en-IN" sz="1100" b="1" i="0" u="none" strike="noStrike" cap="none" dirty="0" smtClean="0">
+                <a:solidFill>
+                  <a:srgbClr val="000000"/>
+                </a:solidFill>
+                <a:effectLst/>
+                <a:latin typeface="Arial"/>
+                <a:ea typeface="Arial"/>
+                <a:cs typeface="Arial"/>
+                <a:sym typeface="Arial"/>
+              </a:rPr>
+              <a:t>Data: -</a:t>
+            </a:r>
+            <a:r>
+              <a:rPr lang="en-IN" sz="1100" b="0" i="0" u="none" strike="noStrike" cap="none" dirty="0" smtClean="0">
+                <a:solidFill>
+                  <a:srgbClr val="000000"/>
+                </a:solidFill>
+                <a:effectLst/>
+                <a:latin typeface="Arial"/>
+                <a:ea typeface="Arial"/>
+                <a:cs typeface="Arial"/>
+                <a:sym typeface="Arial"/>
+              </a:rPr>
+              <a:t> </a:t>
+            </a:r>
+            <a:r>
+              <a:rPr lang="en-IN" sz="1100" b="0" i="1" u="none" strike="noStrike" cap="none" dirty="0" smtClean="0">
+                <a:solidFill>
+                  <a:srgbClr val="000000"/>
+                </a:solidFill>
+                <a:effectLst/>
+                <a:latin typeface="Arial"/>
+                <a:ea typeface="Arial"/>
+                <a:cs typeface="Arial"/>
+                <a:sym typeface="Arial"/>
+              </a:rPr>
+              <a:t>Our Data will be structured in a CSV file, and it will be streaming (Ever-Changing) in nature. We will use 80% of the data collected to train our model and use the remaining 20% as Test Data. </a:t>
+            </a:r>
+            <a:endParaRPr lang="en-IN" sz="1100" b="0" i="0" u="none" strike="noStrike" cap="none" dirty="0" smtClean="0">
+              <a:solidFill>
+                <a:srgbClr val="000000"/>
+              </a:solidFill>
+              <a:effectLst/>
+              <a:latin typeface="Arial"/>
+              <a:ea typeface="Arial"/>
+              <a:cs typeface="Arial"/>
+              <a:sym typeface="Arial"/>
+            </a:endParaRPr>
+          </a:p>
+          <a:p>
+            <a:pPr lvl="0"/>
+            <a:r>
+              <a:rPr lang="en-IN" sz="1100" b="1" i="0" u="none" strike="noStrike" cap="none" dirty="0" smtClean="0">
+                <a:solidFill>
+                  <a:srgbClr val="000000"/>
+                </a:solidFill>
+                <a:effectLst/>
+                <a:latin typeface="Arial"/>
+                <a:ea typeface="Arial"/>
+                <a:cs typeface="Arial"/>
+                <a:sym typeface="Arial"/>
+              </a:rPr>
+              <a:t>Evaluation: -</a:t>
+            </a:r>
+            <a:r>
+              <a:rPr lang="en-IN" sz="1100" b="0" i="0" u="none" strike="noStrike" cap="none" dirty="0" smtClean="0">
+                <a:solidFill>
+                  <a:srgbClr val="000000"/>
+                </a:solidFill>
+                <a:effectLst/>
+                <a:latin typeface="Arial"/>
+                <a:ea typeface="Arial"/>
+                <a:cs typeface="Arial"/>
+                <a:sym typeface="Arial"/>
+              </a:rPr>
+              <a:t> </a:t>
+            </a:r>
+            <a:r>
+              <a:rPr lang="en-IN" sz="1100" b="0" i="1" u="none" strike="noStrike" cap="none" dirty="0" smtClean="0">
+                <a:solidFill>
+                  <a:srgbClr val="000000"/>
+                </a:solidFill>
+                <a:effectLst/>
+                <a:latin typeface="Arial"/>
+                <a:ea typeface="Arial"/>
+                <a:cs typeface="Arial"/>
+                <a:sym typeface="Arial"/>
+              </a:rPr>
+              <a:t>For this project to be successful, the model needs to be over 85% accurate at determining the price of the stock. That is, if the price of the stock is ₹ 100, the predicted price should not be less than ₹ 85 or more than ₹ 115.</a:t>
+            </a:r>
+            <a:endParaRPr lang="en-IN" sz="1100" b="0" i="0" u="none" strike="noStrike" cap="none" dirty="0" smtClean="0">
+              <a:solidFill>
+                <a:srgbClr val="000000"/>
+              </a:solidFill>
+              <a:effectLst/>
+              <a:latin typeface="Arial"/>
+              <a:ea typeface="Arial"/>
+              <a:cs typeface="Arial"/>
+              <a:sym typeface="Arial"/>
+            </a:endParaRPr>
+          </a:p>
+          <a:p>
+            <a:pPr lvl="0"/>
+            <a:r>
+              <a:rPr lang="en-IN" sz="1100" b="1" i="0" u="none" strike="noStrike" cap="none" dirty="0" smtClean="0">
+                <a:solidFill>
+                  <a:srgbClr val="000000"/>
+                </a:solidFill>
+                <a:effectLst/>
+                <a:latin typeface="Arial"/>
+                <a:ea typeface="Arial"/>
+                <a:cs typeface="Arial"/>
+                <a:sym typeface="Arial"/>
+              </a:rPr>
+              <a:t>Features: -</a:t>
+            </a:r>
+            <a:r>
+              <a:rPr lang="en-IN" sz="1100" b="0" i="1" u="none" strike="noStrike" cap="none" dirty="0" smtClean="0">
+                <a:solidFill>
+                  <a:srgbClr val="000000"/>
+                </a:solidFill>
+                <a:effectLst/>
+                <a:latin typeface="Arial"/>
+                <a:ea typeface="Arial"/>
+                <a:cs typeface="Arial"/>
+                <a:sym typeface="Arial"/>
+              </a:rPr>
+              <a:t>We will be using the Opening Prices, Closing Prices, Daily High and Low Value of stock to train and test our model.</a:t>
+            </a:r>
+            <a:endParaRPr lang="en-IN" sz="1100" b="0" i="0" u="none" strike="noStrike" cap="none" dirty="0" smtClean="0">
+              <a:solidFill>
+                <a:srgbClr val="000000"/>
+              </a:solidFill>
+              <a:effectLst/>
+              <a:latin typeface="Arial"/>
+              <a:ea typeface="Arial"/>
+              <a:cs typeface="Arial"/>
+              <a:sym typeface="Arial"/>
+            </a:endParaRPr>
+          </a:p>
+          <a:p>
+            <a:pPr lvl="0"/>
+            <a:r>
+              <a:rPr lang="en-IN" sz="1100" b="1" i="0" u="none" strike="noStrike" cap="none" dirty="0" smtClean="0">
+                <a:solidFill>
+                  <a:srgbClr val="000000"/>
+                </a:solidFill>
+                <a:effectLst/>
+                <a:latin typeface="Arial"/>
+                <a:ea typeface="Arial"/>
+                <a:cs typeface="Arial"/>
+                <a:sym typeface="Arial"/>
+              </a:rPr>
+              <a:t>Modelling: -</a:t>
+            </a:r>
+            <a:r>
+              <a:rPr lang="en-IN" sz="1100" b="0" i="1" u="none" strike="noStrike" cap="none" dirty="0" smtClean="0">
+                <a:solidFill>
+                  <a:srgbClr val="000000"/>
+                </a:solidFill>
+                <a:effectLst/>
+                <a:latin typeface="Arial"/>
+                <a:ea typeface="Arial"/>
+                <a:cs typeface="Arial"/>
+                <a:sym typeface="Arial"/>
+              </a:rPr>
+              <a:t>We will be using ARIMA Model of the Time-Series analysis to build our project, The ARIMA model is a form of Regression analysis. An ARIMA model can be better understood by looking into its individual components: Auto regression (AR), Integrated (I) and Moving Averages (MA). In AR model, Partial Auto Correlation Function (PACF) graph is used to find P value and in MA model, Auto Correlation Function (ACF) graph to find q value. Integration Function is used to find the d value, i.e. the differentiation.</a:t>
+            </a:r>
+            <a:endParaRPr lang="en-IN" sz="1100" b="0" i="0" u="none" strike="noStrike" cap="none" dirty="0" smtClean="0">
+              <a:solidFill>
+                <a:srgbClr val="000000"/>
+              </a:solidFill>
+              <a:effectLst/>
+              <a:latin typeface="Arial"/>
+              <a:ea typeface="Arial"/>
+              <a:cs typeface="Arial"/>
+              <a:sym typeface="Arial"/>
+            </a:endParaRPr>
+          </a:p>
+          <a:p>
+            <a:pPr lvl="0"/>
+            <a:r>
+              <a:rPr lang="en-IN" sz="1100" b="1" i="0" u="none" strike="noStrike" cap="none" dirty="0" smtClean="0">
+                <a:solidFill>
+                  <a:srgbClr val="000000"/>
+                </a:solidFill>
+                <a:effectLst/>
+                <a:latin typeface="Arial"/>
+                <a:ea typeface="Arial"/>
+                <a:cs typeface="Arial"/>
+                <a:sym typeface="Arial"/>
+              </a:rPr>
+              <a:t>Experiments: - </a:t>
+            </a:r>
+            <a:r>
+              <a:rPr lang="en-IN" sz="1100" b="0" i="1" u="none" strike="noStrike" cap="none" dirty="0" smtClean="0">
+                <a:solidFill>
+                  <a:srgbClr val="000000"/>
+                </a:solidFill>
+                <a:effectLst/>
+                <a:latin typeface="Arial"/>
+                <a:ea typeface="Arial"/>
+                <a:cs typeface="Arial"/>
+                <a:sym typeface="Arial"/>
+              </a:rPr>
+              <a:t>This step involves all the other steps. Because machine learning is a highly iterative process, we want to make sure our experiment is actionable.</a:t>
+            </a:r>
+            <a:endParaRPr lang="en-IN" sz="1100" b="0" i="0" u="none" strike="noStrike" cap="none" dirty="0" smtClean="0">
+              <a:solidFill>
+                <a:srgbClr val="000000"/>
+              </a:solidFill>
+              <a:effectLst/>
+              <a:latin typeface="Arial"/>
+              <a:ea typeface="Arial"/>
+              <a:cs typeface="Arial"/>
+              <a:sym typeface="Arial"/>
+            </a:endParaRPr>
+          </a:p>
+          <a:p>
             <a:pPr marL="0" lvl="0" indent="0" algn="l" rtl="0">
               <a:spcBef>
                 <a:spcPts val="0"/>
@@ -1222,7 +1495,7 @@
               </a:spcAft>
               <a:buNone/>
             </a:pPr>
-            <a:endParaRPr/>
+            <a:endParaRPr dirty="0"/>
           </a:p>
         </p:txBody>
       </p:sp>
@@ -1268,7 +1541,7 @@
         </p:nvSpPr>
         <p:spPr>
           <a:xfrm>
-            <a:off x="381300" y="685800"/>
+            <a:off x="381000" y="685800"/>
             <a:ext cx="6096000" cy="3429000"/>
           </a:xfrm>
           <a:custGeom>
@@ -1377,7 +1650,7 @@
         </p:nvSpPr>
         <p:spPr>
           <a:xfrm>
-            <a:off x="381300" y="685800"/>
+            <a:off x="381000" y="685800"/>
             <a:ext cx="6096000" cy="3429000"/>
           </a:xfrm>
           <a:custGeom>
@@ -1486,7 +1759,7 @@
         </p:nvSpPr>
         <p:spPr>
           <a:xfrm>
-            <a:off x="381300" y="685800"/>
+            <a:off x="381000" y="685800"/>
             <a:ext cx="6096000" cy="3429000"/>
           </a:xfrm>
           <a:custGeom>
@@ -1595,7 +1868,7 @@
         </p:nvSpPr>
         <p:spPr>
           <a:xfrm>
-            <a:off x="381300" y="685800"/>
+            <a:off x="381000" y="685800"/>
             <a:ext cx="6096000" cy="3429000"/>
           </a:xfrm>
           <a:custGeom>
@@ -1704,7 +1977,7 @@
         </p:nvSpPr>
         <p:spPr>
           <a:xfrm>
-            <a:off x="381300" y="685800"/>
+            <a:off x="381000" y="685800"/>
             <a:ext cx="6096000" cy="3429000"/>
           </a:xfrm>
           <a:custGeom>

--- a/Meetings/TIP PROJECT PROPOSAL PPT..pptx
+++ b/Meetings/TIP PROJECT PROPOSAL PPT..pptx
@@ -22,59 +22,59 @@
   <p:notesSz cx="6858000" cy="9144000"/>
   <p:embeddedFontLst>
     <p:embeddedFont>
-      <p:font typeface="Abel" panose="020B0604020202020204" charset="0"/>
+      <p:font typeface="Squada One" panose="020B0604020202020204" charset="0"/>
       <p:regular r:id="rId12"/>
     </p:embeddedFont>
     <p:embeddedFont>
-      <p:font typeface="Squada One" panose="020B0604020202020204" charset="0"/>
+      <p:font typeface="Lora" panose="020B0604020202020204" charset="0"/>
       <p:regular r:id="rId13"/>
+      <p:bold r:id="rId14"/>
+      <p:italic r:id="rId15"/>
+      <p:boldItalic r:id="rId16"/>
     </p:embeddedFont>
     <p:embeddedFont>
-      <p:font typeface="Georgia" panose="02040502050405020303" pitchFamily="18" charset="0"/>
-      <p:regular r:id="rId14"/>
-      <p:bold r:id="rId15"/>
-      <p:italic r:id="rId16"/>
-      <p:boldItalic r:id="rId17"/>
+      <p:font typeface="Josefin Sans" panose="020B0604020202020204" charset="0"/>
+      <p:regular r:id="rId17"/>
+      <p:bold r:id="rId18"/>
+      <p:italic r:id="rId19"/>
+      <p:boldItalic r:id="rId20"/>
     </p:embeddedFont>
     <p:embeddedFont>
-      <p:font typeface="Fira Sans Condensed ExtraLight" panose="020B0604020202020204" charset="0"/>
-      <p:regular r:id="rId18"/>
-      <p:bold r:id="rId19"/>
-      <p:italic r:id="rId20"/>
-      <p:boldItalic r:id="rId21"/>
+      <p:font typeface="Staatliches" panose="020B0604020202020204" charset="0"/>
+      <p:regular r:id="rId21"/>
     </p:embeddedFont>
     <p:embeddedFont>
-      <p:font typeface="Dosis ExtraLight" panose="020B0604020202020204" charset="0"/>
+      <p:font typeface="Dosis" panose="020B0604020202020204" charset="0"/>
       <p:regular r:id="rId22"/>
       <p:bold r:id="rId23"/>
     </p:embeddedFont>
     <p:embeddedFont>
-      <p:font typeface="Fira Sans Extra Condensed Medium" panose="020B0604020202020204" charset="0"/>
+      <p:font typeface="Fira Sans Condensed ExtraLight" panose="020B0604020202020204" charset="0"/>
       <p:regular r:id="rId24"/>
       <p:bold r:id="rId25"/>
       <p:italic r:id="rId26"/>
       <p:boldItalic r:id="rId27"/>
     </p:embeddedFont>
     <p:embeddedFont>
-      <p:font typeface="Josefin Sans" panose="020B0604020202020204" charset="0"/>
+      <p:font typeface="Abel" panose="020B0604020202020204" charset="0"/>
       <p:regular r:id="rId28"/>
-      <p:bold r:id="rId29"/>
-      <p:italic r:id="rId30"/>
-      <p:boldItalic r:id="rId31"/>
     </p:embeddedFont>
     <p:embeddedFont>
-      <p:font typeface="Staatliches" panose="020B0604020202020204" charset="0"/>
-      <p:regular r:id="rId32"/>
+      <p:font typeface="Fira Sans Extra Condensed Medium" panose="020B0604020202020204" charset="0"/>
+      <p:regular r:id="rId29"/>
+      <p:bold r:id="rId30"/>
+      <p:italic r:id="rId31"/>
+      <p:boldItalic r:id="rId32"/>
     </p:embeddedFont>
     <p:embeddedFont>
-      <p:font typeface="Lora" panose="020B0604020202020204" charset="0"/>
+      <p:font typeface="Georgia" panose="02040502050405020303" pitchFamily="18" charset="0"/>
       <p:regular r:id="rId33"/>
       <p:bold r:id="rId34"/>
       <p:italic r:id="rId35"/>
       <p:boldItalic r:id="rId36"/>
     </p:embeddedFont>
     <p:embeddedFont>
-      <p:font typeface="Dosis" panose="020B0604020202020204" charset="0"/>
+      <p:font typeface="Dosis ExtraLight" panose="020B0604020202020204" charset="0"/>
       <p:regular r:id="rId37"/>
       <p:bold r:id="rId38"/>
     </p:embeddedFont>
@@ -895,7 +895,7 @@
               </a:spcAft>
               <a:buNone/>
             </a:pPr>
-            <a:endParaRPr/>
+            <a:endParaRPr dirty="0"/>
           </a:p>
         </p:txBody>
       </p:sp>
@@ -38638,7 +38638,7 @@
               <a:buNone/>
             </a:pPr>
             <a:r>
-              <a:rPr lang="en">
+              <a:rPr lang="en" dirty="0">
                 <a:solidFill>
                   <a:srgbClr val="000000"/>
                 </a:solidFill>
@@ -38647,9 +38647,56 @@
                 <a:cs typeface="Georgia"/>
                 <a:sym typeface="Georgia"/>
               </a:rPr>
-              <a:t>The Chief goal of this project is to add to the academic understanding of stock market prediction. This project will focus exclusively on predicting the daily trend (price movement) of individual stocks. More so, the project will analyse the accuracies of these predictions.</a:t>
+              <a:t>The Chief goal of this project is to add to the academic understanding of stock market prediction. </a:t>
             </a:r>
-            <a:endParaRPr/>
+            <a:endParaRPr lang="en" dirty="0" smtClean="0">
+              <a:solidFill>
+                <a:srgbClr val="000000"/>
+              </a:solidFill>
+              <a:latin typeface="Georgia"/>
+              <a:ea typeface="Georgia"/>
+              <a:cs typeface="Georgia"/>
+              <a:sym typeface="Georgia"/>
+            </a:endParaRPr>
+          </a:p>
+          <a:p>
+            <a:pPr marL="0" lvl="0" indent="0" algn="just" rtl="0">
+              <a:lnSpc>
+                <a:spcPct val="115000"/>
+              </a:lnSpc>
+              <a:spcBef>
+                <a:spcPts val="1200"/>
+              </a:spcBef>
+              <a:spcAft>
+                <a:spcPts val="1200"/>
+              </a:spcAft>
+              <a:buNone/>
+            </a:pPr>
+            <a:r>
+              <a:rPr lang="en" dirty="0" smtClean="0">
+                <a:solidFill>
+                  <a:srgbClr val="000000"/>
+                </a:solidFill>
+                <a:latin typeface="Georgia"/>
+                <a:ea typeface="Georgia"/>
+                <a:cs typeface="Georgia"/>
+                <a:sym typeface="Georgia"/>
+              </a:rPr>
+              <a:t>This </a:t>
+            </a:r>
+            <a:r>
+              <a:rPr lang="en" dirty="0">
+                <a:solidFill>
+                  <a:srgbClr val="000000"/>
+                </a:solidFill>
+                <a:latin typeface="Georgia"/>
+                <a:ea typeface="Georgia"/>
+                <a:cs typeface="Georgia"/>
+                <a:sym typeface="Georgia"/>
+              </a:rPr>
+              <a:t>project will focus exclusively on predicting the daily trend (price movement) of individual stocks. More so, the project will analyse the accuracies of these predictions.</a:t>
+            </a:r>
+            <a:endParaRPr dirty="0"/>
           </a:p>
         </p:txBody>
       </p:sp>
@@ -50404,10 +50451,9 @@
               <a:buNone/>
             </a:pPr>
             <a:r>
-              <a:rPr lang="en"/>
-              <a:t>EVALUATION</a:t>
+              <a:rPr lang="en" dirty="0" smtClean="0"/>
+              <a:t>EVALUATION CRITERIA</a:t>
             </a:r>
-            <a:endParaRPr/>
           </a:p>
         </p:txBody>
       </p:sp>
@@ -50530,10 +50576,14 @@
               <a:buNone/>
             </a:pPr>
             <a:r>
-              <a:rPr lang="en"/>
-              <a:t>ABOUT THE PROJECT</a:t>
+              <a:rPr lang="en" dirty="0"/>
+              <a:t>ABOUT THE </a:t>
             </a:r>
-            <a:endParaRPr/>
+            <a:r>
+              <a:rPr lang="en" dirty="0" smtClean="0"/>
+              <a:t>DATASET</a:t>
+            </a:r>
+            <a:endParaRPr dirty="0"/>
           </a:p>
         </p:txBody>
       </p:sp>
@@ -53010,8 +53060,8 @@
         </p:nvSpPr>
         <p:spPr>
           <a:xfrm>
-            <a:off x="5977200" y="4039000"/>
-            <a:ext cx="2481000" cy="935700"/>
+            <a:off x="4009292" y="3697793"/>
+            <a:ext cx="4448908" cy="1276907"/>
           </a:xfrm>
           <a:prstGeom prst="rect">
             <a:avLst/>
@@ -53037,15 +53087,26 @@
               <a:buNone/>
             </a:pPr>
             <a:r>
-              <a:rPr lang="en" sz="1500">
+              <a:rPr lang="en" sz="1500" dirty="0" smtClean="0">
                 <a:latin typeface="Lora"/>
                 <a:ea typeface="Lora"/>
                 <a:cs typeface="Lora"/>
                 <a:sym typeface="Lora"/>
               </a:rPr>
-              <a:t>Dipanshu Agarwal N201</a:t>
+              <a:t>Under the Guidence of Prof. Varsha Nemade</a:t>
             </a:r>
-            <a:endParaRPr sz="1500">
+          </a:p>
+          <a:p>
+            <a:pPr marL="0" lvl="0" indent="0" algn="r" rtl="0">
+              <a:spcBef>
+                <a:spcPts val="0"/>
+              </a:spcBef>
+              <a:spcAft>
+                <a:spcPts val="0"/>
+              </a:spcAft>
+              <a:buNone/>
+            </a:pPr>
+            <a:endParaRPr lang="en" sz="1500" dirty="0" smtClean="0">
               <a:latin typeface="Lora"/>
               <a:ea typeface="Lora"/>
               <a:cs typeface="Lora"/>
@@ -53063,15 +53124,15 @@
               <a:buNone/>
             </a:pPr>
             <a:r>
-              <a:rPr lang="en" sz="1500">
+              <a:rPr lang="en" sz="1500" dirty="0" smtClean="0">
                 <a:latin typeface="Lora"/>
                 <a:ea typeface="Lora"/>
                 <a:cs typeface="Lora"/>
                 <a:sym typeface="Lora"/>
               </a:rPr>
-              <a:t>Riya Airen N204</a:t>
+              <a:t>Dipanshu Agarwal-N201-70471117001</a:t>
             </a:r>
-            <a:endParaRPr sz="1500">
+            <a:endParaRPr sz="1500" dirty="0">
               <a:latin typeface="Lora"/>
               <a:ea typeface="Lora"/>
               <a:cs typeface="Lora"/>
@@ -53089,15 +53150,59 @@
               <a:buNone/>
             </a:pPr>
             <a:r>
-              <a:rPr lang="en" sz="1500">
+              <a:rPr lang="en" sz="1500" dirty="0">
                 <a:latin typeface="Lora"/>
                 <a:ea typeface="Lora"/>
                 <a:cs typeface="Lora"/>
                 <a:sym typeface="Lora"/>
               </a:rPr>
-              <a:t>Saurabh Ajit N205</a:t>
+              <a:t>Riya </a:t>
             </a:r>
-            <a:endParaRPr sz="1500">
+            <a:r>
+              <a:rPr lang="en" sz="1500" dirty="0" smtClean="0">
+                <a:latin typeface="Lora"/>
+                <a:ea typeface="Lora"/>
+                <a:cs typeface="Lora"/>
+                <a:sym typeface="Lora"/>
+              </a:rPr>
+              <a:t>Airen-N204-704711170006</a:t>
+            </a:r>
+            <a:endParaRPr sz="1500" dirty="0">
+              <a:latin typeface="Lora"/>
+              <a:ea typeface="Lora"/>
+              <a:cs typeface="Lora"/>
+              <a:sym typeface="Lora"/>
+            </a:endParaRPr>
+          </a:p>
+          <a:p>
+            <a:pPr marL="0" lvl="0" indent="0" algn="r" rtl="0">
+              <a:spcBef>
+                <a:spcPts val="0"/>
+              </a:spcBef>
+              <a:spcAft>
+                <a:spcPts val="0"/>
+              </a:spcAft>
+              <a:buNone/>
+            </a:pPr>
+            <a:r>
+              <a:rPr lang="en" sz="1500" dirty="0">
+                <a:latin typeface="Lora"/>
+                <a:ea typeface="Lora"/>
+                <a:cs typeface="Lora"/>
+                <a:sym typeface="Lora"/>
+              </a:rPr>
+              <a:t>Saurabh </a:t>
+            </a:r>
+            <a:r>
+              <a:rPr lang="en" sz="1500" dirty="0" smtClean="0">
+                <a:latin typeface="Lora"/>
+                <a:ea typeface="Lora"/>
+                <a:cs typeface="Lora"/>
+                <a:sym typeface="Lora"/>
+              </a:rPr>
+              <a:t>Ajit-N205-70471117007</a:t>
+            </a:r>
+            <a:endParaRPr sz="1500" dirty="0">
               <a:latin typeface="Lora"/>
               <a:ea typeface="Lora"/>
               <a:cs typeface="Lora"/>
